--- a/WprowadzenieDoJezykaJAVA_4_zajecia_PiotrKrajnik.pptx
+++ b/WprowadzenieDoJezykaJAVA_4_zajecia_PiotrKrajnik.pptx
@@ -2741,7 +2741,7 @@
         <p:spPr>
           <a:xfrm rot="5400000">
             <a:off x="0" y="0"/>
-            <a:ext cx="2498760" cy="2498760"/>
+            <a:ext cx="2498400" cy="2498400"/>
           </a:xfrm>
           <a:prstGeom prst="rtTriangle">
             <a:avLst/>
@@ -2781,7 +2781,7 @@
         <p:spPr>
           <a:xfrm>
             <a:off x="0" y="0"/>
-            <a:ext cx="2751840" cy="1295640"/>
+            <a:ext cx="2751480" cy="1295280"/>
           </a:xfrm>
           <a:prstGeom prst="rect">
             <a:avLst/>
@@ -2803,8 +2803,8 @@
         </p:nvSpPr>
         <p:spPr>
           <a:xfrm>
-            <a:off x="1523880" y="1122480"/>
-            <a:ext cx="9142920" cy="1950480"/>
+            <a:off x="609480" y="273600"/>
+            <a:ext cx="10972440" cy="1144800"/>
           </a:xfrm>
           <a:prstGeom prst="rect">
             <a:avLst/>
@@ -2813,13 +2813,14 @@
         <p:txBody>
           <a:bodyPr lIns="0" rIns="0" tIns="0" bIns="0" anchor="ctr"/>
           <a:p>
-            <a:r>
-              <a:rPr b="0" lang="pl-PL" sz="1800" spc="-1" strike="noStrike">
+            <a:pPr algn="ctr"/>
+            <a:r>
+              <a:rPr b="0" lang="pl-PL" sz="4400" spc="-1" strike="noStrike">
                 <a:latin typeface="Arial"/>
               </a:rPr>
               <a:t>Kliknij, aby edytować format tekstu tytułu</a:t>
             </a:r>
-            <a:endParaRPr b="0" lang="pl-PL" sz="1800" spc="-1" strike="noStrike">
+            <a:endParaRPr b="0" lang="pl-PL" sz="4400" spc="-1" strike="noStrike">
               <a:latin typeface="Arial"/>
             </a:endParaRPr>
           </a:p>
@@ -2838,7 +2839,7 @@
         <p:spPr>
           <a:xfrm>
             <a:off x="609480" y="1604520"/>
-            <a:ext cx="10971720" cy="3976560"/>
+            <a:ext cx="10972440" cy="3977280"/>
           </a:xfrm>
           <a:prstGeom prst="rect">
             <a:avLst/>
@@ -2861,12 +2862,12 @@
               <a:buChar char=""/>
             </a:pPr>
             <a:r>
-              <a:rPr b="0" lang="pl-PL" sz="1800" spc="-1" strike="noStrike">
+              <a:rPr b="0" lang="pl-PL" sz="3200" spc="-1" strike="noStrike">
                 <a:latin typeface="Arial"/>
               </a:rPr>
               <a:t>Kliknij, aby edytować format tekstu konspektu</a:t>
             </a:r>
-            <a:endParaRPr b="0" lang="pl-PL" sz="1800" spc="-1" strike="noStrike">
+            <a:endParaRPr b="0" lang="pl-PL" sz="3200" spc="-1" strike="noStrike">
               <a:latin typeface="Arial"/>
             </a:endParaRPr>
           </a:p>
@@ -2883,12 +2884,12 @@
               <a:buChar char=""/>
             </a:pPr>
             <a:r>
-              <a:rPr b="0" lang="pl-PL" sz="1800" spc="-1" strike="noStrike">
+              <a:rPr b="0" lang="pl-PL" sz="2800" spc="-1" strike="noStrike">
                 <a:latin typeface="Arial"/>
               </a:rPr>
               <a:t>Drugi poziom konspektu</a:t>
             </a:r>
-            <a:endParaRPr b="0" lang="pl-PL" sz="1800" spc="-1" strike="noStrike">
+            <a:endParaRPr b="0" lang="pl-PL" sz="2800" spc="-1" strike="noStrike">
               <a:latin typeface="Arial"/>
             </a:endParaRPr>
           </a:p>
@@ -2905,12 +2906,12 @@
               <a:buChar char=""/>
             </a:pPr>
             <a:r>
-              <a:rPr b="0" lang="pl-PL" sz="1800" spc="-1" strike="noStrike">
+              <a:rPr b="0" lang="pl-PL" sz="2400" spc="-1" strike="noStrike">
                 <a:latin typeface="Arial"/>
               </a:rPr>
               <a:t>Trzeci poziom konspektu</a:t>
             </a:r>
-            <a:endParaRPr b="0" lang="pl-PL" sz="1800" spc="-1" strike="noStrike">
+            <a:endParaRPr b="0" lang="pl-PL" sz="2400" spc="-1" strike="noStrike">
               <a:latin typeface="Arial"/>
             </a:endParaRPr>
           </a:p>
@@ -2927,12 +2928,12 @@
               <a:buChar char=""/>
             </a:pPr>
             <a:r>
-              <a:rPr b="0" lang="pl-PL" sz="1800" spc="-1" strike="noStrike">
+              <a:rPr b="0" lang="pl-PL" sz="2000" spc="-1" strike="noStrike">
                 <a:latin typeface="Arial"/>
               </a:rPr>
               <a:t>Czwarty poziom konspektu</a:t>
             </a:r>
-            <a:endParaRPr b="0" lang="pl-PL" sz="1800" spc="-1" strike="noStrike">
+            <a:endParaRPr b="0" lang="pl-PL" sz="2000" spc="-1" strike="noStrike">
               <a:latin typeface="Arial"/>
             </a:endParaRPr>
           </a:p>
@@ -2949,12 +2950,12 @@
               <a:buChar char=""/>
             </a:pPr>
             <a:r>
-              <a:rPr b="0" lang="pl-PL" sz="1800" spc="-1" strike="noStrike">
+              <a:rPr b="0" lang="pl-PL" sz="2000" spc="-1" strike="noStrike">
                 <a:latin typeface="Arial"/>
               </a:rPr>
               <a:t>Piąty poziom konspektu</a:t>
             </a:r>
-            <a:endParaRPr b="0" lang="pl-PL" sz="1800" spc="-1" strike="noStrike">
+            <a:endParaRPr b="0" lang="pl-PL" sz="2000" spc="-1" strike="noStrike">
               <a:latin typeface="Arial"/>
             </a:endParaRPr>
           </a:p>
@@ -2971,12 +2972,12 @@
               <a:buChar char=""/>
             </a:pPr>
             <a:r>
-              <a:rPr b="0" lang="pl-PL" sz="1800" spc="-1" strike="noStrike">
+              <a:rPr b="0" lang="pl-PL" sz="2000" spc="-1" strike="noStrike">
                 <a:latin typeface="Arial"/>
               </a:rPr>
               <a:t>Szósty poziom konspektu</a:t>
             </a:r>
-            <a:endParaRPr b="0" lang="pl-PL" sz="1800" spc="-1" strike="noStrike">
+            <a:endParaRPr b="0" lang="pl-PL" sz="2000" spc="-1" strike="noStrike">
               <a:latin typeface="Arial"/>
             </a:endParaRPr>
           </a:p>
@@ -2993,12 +2994,12 @@
               <a:buChar char=""/>
             </a:pPr>
             <a:r>
-              <a:rPr b="0" lang="pl-PL" sz="1800" spc="-1" strike="noStrike">
+              <a:rPr b="0" lang="pl-PL" sz="2000" spc="-1" strike="noStrike">
                 <a:latin typeface="Arial"/>
               </a:rPr>
               <a:t>Siódmy poziom konspektu</a:t>
             </a:r>
-            <a:endParaRPr b="0" lang="pl-PL" sz="1800" spc="-1" strike="noStrike">
+            <a:endParaRPr b="0" lang="pl-PL" sz="2000" spc="-1" strike="noStrike">
               <a:latin typeface="Arial"/>
             </a:endParaRPr>
           </a:p>
@@ -3060,7 +3061,7 @@
         <p:spPr>
           <a:xfrm rot="5400000">
             <a:off x="0" y="0"/>
-            <a:ext cx="2498760" cy="2498760"/>
+            <a:ext cx="2498400" cy="2498400"/>
           </a:xfrm>
           <a:prstGeom prst="rtTriangle">
             <a:avLst/>
@@ -3100,7 +3101,7 @@
         <p:spPr>
           <a:xfrm>
             <a:off x="0" y="0"/>
-            <a:ext cx="2751840" cy="1295640"/>
+            <a:ext cx="2751480" cy="1295280"/>
           </a:xfrm>
           <a:prstGeom prst="rect">
             <a:avLst/>
@@ -3370,7 +3371,7 @@
         <p:spPr>
           <a:xfrm>
             <a:off x="1561680" y="1905480"/>
-            <a:ext cx="9068040" cy="1258920"/>
+            <a:ext cx="9067680" cy="1258560"/>
           </a:xfrm>
           <a:prstGeom prst="rect">
             <a:avLst/>
@@ -3419,7 +3420,7 @@
         <p:spPr>
           <a:xfrm>
             <a:off x="1561680" y="3456000"/>
-            <a:ext cx="9068040" cy="2693520"/>
+            <a:ext cx="9067680" cy="2693160"/>
           </a:xfrm>
           <a:prstGeom prst="rect">
             <a:avLst/>
@@ -3527,7 +3528,7 @@
         <p:spPr>
           <a:xfrm>
             <a:off x="1561680" y="0"/>
-            <a:ext cx="9068040" cy="1258920"/>
+            <a:ext cx="9067680" cy="1258560"/>
           </a:xfrm>
           <a:prstGeom prst="rect">
             <a:avLst/>
@@ -3576,7 +3577,7 @@
         <p:spPr>
           <a:xfrm>
             <a:off x="1584000" y="1175040"/>
-            <a:ext cx="3240000" cy="5641200"/>
+            <a:ext cx="3239640" cy="5640840"/>
           </a:xfrm>
           <a:prstGeom prst="rect">
             <a:avLst/>
@@ -3935,7 +3936,7 @@
         <p:spPr>
           <a:xfrm>
             <a:off x="5324040" y="1262520"/>
-            <a:ext cx="5400360" cy="696960"/>
+            <a:ext cx="5400000" cy="696600"/>
           </a:xfrm>
           <a:prstGeom prst="rect">
             <a:avLst/>
@@ -3984,7 +3985,7 @@
         <p:spPr>
           <a:xfrm>
             <a:off x="5215680" y="3780000"/>
-            <a:ext cx="5400360" cy="1916640"/>
+            <a:ext cx="5400000" cy="1916280"/>
           </a:xfrm>
           <a:prstGeom prst="rect">
             <a:avLst/>
@@ -4102,7 +4103,7 @@
         <p:spPr>
           <a:xfrm>
             <a:off x="1561680" y="0"/>
-            <a:ext cx="9068040" cy="1258920"/>
+            <a:ext cx="9067680" cy="1258560"/>
           </a:xfrm>
           <a:prstGeom prst="rect">
             <a:avLst/>
@@ -4151,7 +4152,7 @@
         <p:spPr>
           <a:xfrm>
             <a:off x="1440000" y="1152000"/>
-            <a:ext cx="3240000" cy="5641200"/>
+            <a:ext cx="3239640" cy="5640840"/>
           </a:xfrm>
           <a:prstGeom prst="rect">
             <a:avLst/>
@@ -4610,7 +4611,7 @@
         <p:spPr>
           <a:xfrm>
             <a:off x="5180040" y="1239480"/>
-            <a:ext cx="5400360" cy="4965840"/>
+            <a:ext cx="5400000" cy="4965480"/>
           </a:xfrm>
           <a:prstGeom prst="rect">
             <a:avLst/>
@@ -4798,7 +4799,7 @@
         <p:spPr>
           <a:xfrm>
             <a:off x="1561680" y="15480"/>
-            <a:ext cx="9068040" cy="1258920"/>
+            <a:ext cx="9067680" cy="1258560"/>
           </a:xfrm>
           <a:prstGeom prst="rect">
             <a:avLst/>
@@ -4847,7 +4848,7 @@
         <p:spPr>
           <a:xfrm>
             <a:off x="1924920" y="1275840"/>
-            <a:ext cx="3240000" cy="2402640"/>
+            <a:ext cx="3239640" cy="2402280"/>
           </a:xfrm>
           <a:prstGeom prst="rect">
             <a:avLst/>
@@ -5046,7 +5047,7 @@
         <p:spPr>
           <a:xfrm>
             <a:off x="1924920" y="4079160"/>
-            <a:ext cx="3517200" cy="2402640"/>
+            <a:ext cx="3516840" cy="2402280"/>
           </a:xfrm>
           <a:prstGeom prst="rect">
             <a:avLst/>
@@ -5245,7 +5246,7 @@
         <p:spPr>
           <a:xfrm>
             <a:off x="7087320" y="1275840"/>
-            <a:ext cx="3240000" cy="2402640"/>
+            <a:ext cx="3239640" cy="2402280"/>
           </a:xfrm>
           <a:prstGeom prst="rect">
             <a:avLst/>
@@ -5444,7 +5445,7 @@
         <p:spPr>
           <a:xfrm>
             <a:off x="7087320" y="4079160"/>
-            <a:ext cx="3240000" cy="2402640"/>
+            <a:ext cx="3239640" cy="2402280"/>
           </a:xfrm>
           <a:prstGeom prst="rect">
             <a:avLst/>
@@ -5692,7 +5693,7 @@
         <p:spPr>
           <a:xfrm>
             <a:off x="1561680" y="-75600"/>
-            <a:ext cx="9068040" cy="1258920"/>
+            <a:ext cx="9067680" cy="1258560"/>
           </a:xfrm>
           <a:prstGeom prst="rect">
             <a:avLst/>
@@ -5741,7 +5742,7 @@
         <p:spPr>
           <a:xfrm>
             <a:off x="1001160" y="1286280"/>
-            <a:ext cx="5225760" cy="6489720"/>
+            <a:ext cx="5225400" cy="6489360"/>
           </a:xfrm>
           <a:prstGeom prst="rect">
             <a:avLst/>
@@ -5960,7 +5961,7 @@
         <p:spPr>
           <a:xfrm>
             <a:off x="6531120" y="1286280"/>
-            <a:ext cx="4301640" cy="5575680"/>
+            <a:ext cx="4301280" cy="5575320"/>
           </a:xfrm>
           <a:prstGeom prst="rect">
             <a:avLst/>
@@ -6348,7 +6349,7 @@
         <p:spPr>
           <a:xfrm>
             <a:off x="1561680" y="0"/>
-            <a:ext cx="9068040" cy="1258920"/>
+            <a:ext cx="9067680" cy="1258560"/>
           </a:xfrm>
           <a:prstGeom prst="rect">
             <a:avLst/>
@@ -6397,7 +6398,7 @@
         <p:spPr>
           <a:xfrm>
             <a:off x="1800000" y="1086120"/>
-            <a:ext cx="5225760" cy="3746160"/>
+            <a:ext cx="5225400" cy="3745800"/>
           </a:xfrm>
           <a:prstGeom prst="rect">
             <a:avLst/>
@@ -6536,7 +6537,7 @@
         <p:spPr>
           <a:xfrm>
             <a:off x="7486560" y="1086120"/>
-            <a:ext cx="3330000" cy="5847840"/>
+            <a:ext cx="3329640" cy="5847480"/>
           </a:xfrm>
           <a:prstGeom prst="rect">
             <a:avLst/>
@@ -7049,7 +7050,7 @@
         <p:spPr>
           <a:xfrm>
             <a:off x="2639880" y="4608000"/>
-            <a:ext cx="1431720" cy="1431720"/>
+            <a:ext cx="1431360" cy="1431360"/>
           </a:xfrm>
           <a:prstGeom prst="rect">
             <a:avLst/>
@@ -7072,7 +7073,7 @@
         <p:spPr>
           <a:xfrm>
             <a:off x="5157360" y="5808240"/>
-            <a:ext cx="1431720" cy="1431720"/>
+            <a:ext cx="1431360" cy="1431360"/>
           </a:xfrm>
           <a:prstGeom prst="rect">
             <a:avLst/>
@@ -7091,7 +7092,7 @@
         <p:spPr>
           <a:xfrm>
             <a:off x="2560680" y="5608800"/>
-            <a:ext cx="2046600" cy="1184400"/>
+            <a:ext cx="2046240" cy="1184040"/>
           </a:xfrm>
           <a:prstGeom prst="rect">
             <a:avLst/>
@@ -7200,7 +7201,7 @@
         <p:spPr>
           <a:xfrm>
             <a:off x="4876560" y="4968000"/>
-            <a:ext cx="2146680" cy="1184400"/>
+            <a:ext cx="2146320" cy="1184040"/>
           </a:xfrm>
           <a:prstGeom prst="rect">
             <a:avLst/>
@@ -7358,7 +7359,7 @@
         <p:spPr>
           <a:xfrm>
             <a:off x="1561680" y="0"/>
-            <a:ext cx="9068040" cy="1258920"/>
+            <a:ext cx="9067680" cy="1258560"/>
           </a:xfrm>
           <a:prstGeom prst="rect">
             <a:avLst/>
@@ -7407,7 +7408,7 @@
         <p:spPr>
           <a:xfrm>
             <a:off x="6078240" y="936000"/>
-            <a:ext cx="3330000" cy="5847840"/>
+            <a:ext cx="3329640" cy="5847480"/>
           </a:xfrm>
           <a:prstGeom prst="rect">
             <a:avLst/>
@@ -7916,7 +7917,7 @@
         <p:spPr>
           <a:xfrm>
             <a:off x="4032000" y="936000"/>
-            <a:ext cx="1996560" cy="361440"/>
+            <a:ext cx="1996200" cy="361080"/>
           </a:xfrm>
           <a:prstGeom prst="rect">
             <a:avLst/>
@@ -7965,7 +7966,7 @@
         <p:spPr>
           <a:xfrm>
             <a:off x="4608000" y="1593360"/>
-            <a:ext cx="1310760" cy="361440"/>
+            <a:ext cx="1310400" cy="361080"/>
           </a:xfrm>
           <a:prstGeom prst="rect">
             <a:avLst/>
@@ -8014,7 +8015,7 @@
         <p:spPr>
           <a:xfrm>
             <a:off x="4266000" y="2958480"/>
-            <a:ext cx="1996560" cy="361440"/>
+            <a:ext cx="1996200" cy="361080"/>
           </a:xfrm>
           <a:prstGeom prst="rect">
             <a:avLst/>
@@ -8112,7 +8113,7 @@
         <p:spPr>
           <a:xfrm>
             <a:off x="1561680" y="0"/>
-            <a:ext cx="9068040" cy="1258920"/>
+            <a:ext cx="9067680" cy="1258560"/>
           </a:xfrm>
           <a:prstGeom prst="rect">
             <a:avLst/>
@@ -8161,7 +8162,7 @@
         <p:spPr>
           <a:xfrm>
             <a:off x="1656000" y="1440000"/>
-            <a:ext cx="5225760" cy="4356000"/>
+            <a:ext cx="5225400" cy="4355640"/>
           </a:xfrm>
           <a:prstGeom prst="rect">
             <a:avLst/>
@@ -8290,7 +8291,7 @@
         <p:spPr>
           <a:xfrm>
             <a:off x="7650720" y="2049840"/>
-            <a:ext cx="3330000" cy="2556000"/>
+            <a:ext cx="3329640" cy="2555640"/>
           </a:xfrm>
           <a:prstGeom prst="rect">
             <a:avLst/>
@@ -8558,7 +8559,7 @@
         <p:spPr>
           <a:xfrm>
             <a:off x="1561680" y="0"/>
-            <a:ext cx="9068040" cy="1258920"/>
+            <a:ext cx="9067680" cy="1258560"/>
           </a:xfrm>
           <a:prstGeom prst="rect">
             <a:avLst/>
@@ -8607,7 +8608,7 @@
         <p:spPr>
           <a:xfrm>
             <a:off x="1699920" y="936000"/>
-            <a:ext cx="5225760" cy="6842520"/>
+            <a:ext cx="5225400" cy="6842160"/>
           </a:xfrm>
           <a:prstGeom prst="rect">
             <a:avLst/>
@@ -8866,7 +8867,7 @@
         <p:spPr>
           <a:xfrm>
             <a:off x="7536600" y="1512000"/>
-            <a:ext cx="4486680" cy="4197600"/>
+            <a:ext cx="4486320" cy="4197240"/>
           </a:xfrm>
           <a:prstGeom prst="rect">
             <a:avLst/>
@@ -9464,7 +9465,7 @@
         <p:spPr>
           <a:xfrm>
             <a:off x="1561680" y="0"/>
-            <a:ext cx="9068040" cy="1258920"/>
+            <a:ext cx="9067680" cy="1258560"/>
           </a:xfrm>
           <a:prstGeom prst="rect">
             <a:avLst/>
@@ -9513,7 +9514,7 @@
         <p:spPr>
           <a:xfrm>
             <a:off x="1296000" y="1259640"/>
-            <a:ext cx="4069080" cy="6184800"/>
+            <a:ext cx="4068720" cy="6184440"/>
           </a:xfrm>
           <a:prstGeom prst="rect">
             <a:avLst/>
@@ -9671,8 +9672,8 @@
         </p:nvSpPr>
         <p:spPr>
           <a:xfrm rot="9000">
-            <a:off x="6051240" y="1416960"/>
-            <a:ext cx="5684760" cy="3102840"/>
+            <a:off x="6050880" y="1416600"/>
+            <a:ext cx="5684400" cy="3102480"/>
           </a:xfrm>
           <a:prstGeom prst="rect">
             <a:avLst/>
@@ -9900,8 +9901,8 @@
         </p:nvSpPr>
         <p:spPr>
           <a:xfrm rot="9000">
-            <a:off x="6191640" y="4902480"/>
-            <a:ext cx="5684760" cy="1427760"/>
+            <a:off x="6191280" y="4902120"/>
+            <a:ext cx="5684400" cy="1427400"/>
           </a:xfrm>
           <a:prstGeom prst="rect">
             <a:avLst/>
@@ -10099,7 +10100,7 @@
         <p:spPr>
           <a:xfrm>
             <a:off x="1561680" y="0"/>
-            <a:ext cx="9068040" cy="1258920"/>
+            <a:ext cx="9067680" cy="1258560"/>
           </a:xfrm>
           <a:prstGeom prst="rect">
             <a:avLst/>
@@ -10148,7 +10149,7 @@
         <p:spPr>
           <a:xfrm>
             <a:off x="1618560" y="1194480"/>
-            <a:ext cx="6372720" cy="6670080"/>
+            <a:ext cx="6372360" cy="6669720"/>
           </a:xfrm>
           <a:prstGeom prst="rect">
             <a:avLst/>
@@ -10427,7 +10428,7 @@
         <p:spPr>
           <a:xfrm>
             <a:off x="8832600" y="1259640"/>
-            <a:ext cx="3838680" cy="5323680"/>
+            <a:ext cx="3838320" cy="5323320"/>
           </a:xfrm>
           <a:prstGeom prst="rect">
             <a:avLst/>
@@ -11163,7 +11164,7 @@
         <p:spPr>
           <a:xfrm>
             <a:off x="1561680" y="0"/>
-            <a:ext cx="9068040" cy="1258920"/>
+            <a:ext cx="9067680" cy="1258560"/>
           </a:xfrm>
           <a:prstGeom prst="rect">
             <a:avLst/>
@@ -11212,7 +11213,7 @@
         <p:spPr>
           <a:xfrm>
             <a:off x="1668600" y="1584000"/>
-            <a:ext cx="8854200" cy="4965840"/>
+            <a:ext cx="8853840" cy="4965480"/>
           </a:xfrm>
           <a:prstGeom prst="rect">
             <a:avLst/>
@@ -11450,7 +11451,7 @@
         <p:spPr>
           <a:xfrm>
             <a:off x="1561680" y="0"/>
-            <a:ext cx="9068040" cy="1258920"/>
+            <a:ext cx="9067680" cy="1258560"/>
           </a:xfrm>
           <a:prstGeom prst="rect">
             <a:avLst/>
@@ -11499,7 +11500,7 @@
         <p:spPr>
           <a:xfrm>
             <a:off x="1472760" y="1082880"/>
-            <a:ext cx="5293080" cy="6116400"/>
+            <a:ext cx="5292720" cy="6116040"/>
           </a:xfrm>
           <a:prstGeom prst="rect">
             <a:avLst/>
@@ -11788,7 +11789,7 @@
         <p:spPr>
           <a:xfrm>
             <a:off x="7176600" y="1193040"/>
-            <a:ext cx="3838680" cy="5323680"/>
+            <a:ext cx="3838320" cy="5323320"/>
           </a:xfrm>
           <a:prstGeom prst="rect">
             <a:avLst/>
@@ -12386,7 +12387,7 @@
         <p:spPr>
           <a:xfrm>
             <a:off x="1561680" y="27720"/>
-            <a:ext cx="9068040" cy="1258920"/>
+            <a:ext cx="9067680" cy="1258560"/>
           </a:xfrm>
           <a:prstGeom prst="rect">
             <a:avLst/>
@@ -12435,7 +12436,7 @@
         <p:spPr>
           <a:xfrm>
             <a:off x="1440000" y="1080000"/>
-            <a:ext cx="5733360" cy="5991840"/>
+            <a:ext cx="5733000" cy="5991480"/>
           </a:xfrm>
           <a:prstGeom prst="rect">
             <a:avLst/>
@@ -12694,7 +12695,7 @@
         <p:spPr>
           <a:xfrm>
             <a:off x="7536600" y="1856520"/>
-            <a:ext cx="3838680" cy="5215320"/>
+            <a:ext cx="3838320" cy="5214960"/>
           </a:xfrm>
           <a:prstGeom prst="rect">
             <a:avLst/>
@@ -13032,7 +13033,7 @@
         <p:spPr>
           <a:xfrm>
             <a:off x="1561680" y="0"/>
-            <a:ext cx="9068040" cy="1258920"/>
+            <a:ext cx="9067680" cy="1258560"/>
           </a:xfrm>
           <a:prstGeom prst="rect">
             <a:avLst/>
@@ -13081,7 +13082,7 @@
         <p:spPr>
           <a:xfrm>
             <a:off x="1224000" y="1010880"/>
-            <a:ext cx="5630760" cy="6116400"/>
+            <a:ext cx="5630400" cy="6116040"/>
           </a:xfrm>
           <a:prstGeom prst="rect">
             <a:avLst/>
@@ -13370,7 +13371,7 @@
         <p:spPr>
           <a:xfrm>
             <a:off x="7416000" y="1155600"/>
-            <a:ext cx="4410000" cy="5323680"/>
+            <a:ext cx="4409640" cy="5323320"/>
           </a:xfrm>
           <a:prstGeom prst="rect">
             <a:avLst/>
@@ -13848,7 +13849,7 @@
         <p:spPr>
           <a:xfrm>
             <a:off x="1561680" y="0"/>
-            <a:ext cx="9068040" cy="1258920"/>
+            <a:ext cx="9067680" cy="1258560"/>
           </a:xfrm>
           <a:prstGeom prst="rect">
             <a:avLst/>
@@ -13897,7 +13898,7 @@
         <p:spPr>
           <a:xfrm>
             <a:off x="1561680" y="1010880"/>
-            <a:ext cx="4069800" cy="6116400"/>
+            <a:ext cx="4069440" cy="6116040"/>
           </a:xfrm>
           <a:prstGeom prst="rect">
             <a:avLst/>
@@ -14086,7 +14087,7 @@
         <p:spPr>
           <a:xfrm>
             <a:off x="8256600" y="1152000"/>
-            <a:ext cx="3838680" cy="2733480"/>
+            <a:ext cx="3838320" cy="2733120"/>
           </a:xfrm>
           <a:prstGeom prst="rect">
             <a:avLst/>
@@ -14275,7 +14276,7 @@
         <p:spPr>
           <a:xfrm>
             <a:off x="5736600" y="2665800"/>
-            <a:ext cx="3838680" cy="2733480"/>
+            <a:ext cx="3838320" cy="2733120"/>
           </a:xfrm>
           <a:prstGeom prst="rect">
             <a:avLst/>
@@ -14883,7 +14884,7 @@
         <p:spPr>
           <a:xfrm>
             <a:off x="1561680" y="0"/>
-            <a:ext cx="9068040" cy="1258920"/>
+            <a:ext cx="9067680" cy="1258560"/>
           </a:xfrm>
           <a:prstGeom prst="rect">
             <a:avLst/>
@@ -14932,7 +14933,7 @@
         <p:spPr>
           <a:xfrm>
             <a:off x="1512000" y="1008000"/>
-            <a:ext cx="5327280" cy="6116400"/>
+            <a:ext cx="5326920" cy="6116040"/>
           </a:xfrm>
           <a:prstGeom prst="rect">
             <a:avLst/>
@@ -15111,7 +15112,7 @@
         <p:spPr>
           <a:xfrm>
             <a:off x="7344000" y="1259640"/>
-            <a:ext cx="4702680" cy="5323680"/>
+            <a:ext cx="4702320" cy="5323320"/>
           </a:xfrm>
           <a:prstGeom prst="rect">
             <a:avLst/>
@@ -15499,7 +15500,7 @@
         <p:spPr>
           <a:xfrm>
             <a:off x="1561680" y="0"/>
-            <a:ext cx="9068040" cy="1258920"/>
+            <a:ext cx="9067680" cy="1258560"/>
           </a:xfrm>
           <a:prstGeom prst="rect">
             <a:avLst/>
@@ -15548,7 +15549,7 @@
         <p:spPr>
           <a:xfrm>
             <a:off x="936000" y="1560960"/>
-            <a:ext cx="5509800" cy="6214320"/>
+            <a:ext cx="5509440" cy="6213960"/>
           </a:xfrm>
           <a:prstGeom prst="rect">
             <a:avLst/>
@@ -15817,7 +15818,7 @@
         <p:spPr>
           <a:xfrm>
             <a:off x="6984000" y="1443600"/>
-            <a:ext cx="4702680" cy="5323680"/>
+            <a:ext cx="4702320" cy="5323320"/>
           </a:xfrm>
           <a:prstGeom prst="rect">
             <a:avLst/>
@@ -16425,7 +16426,7 @@
         <p:spPr>
           <a:xfrm>
             <a:off x="1561680" y="0"/>
-            <a:ext cx="9068040" cy="1258920"/>
+            <a:ext cx="9067680" cy="1258560"/>
           </a:xfrm>
           <a:prstGeom prst="rect">
             <a:avLst/>
@@ -16474,7 +16475,7 @@
         <p:spPr>
           <a:xfrm>
             <a:off x="1440000" y="1152000"/>
-            <a:ext cx="5831280" cy="6116400"/>
+            <a:ext cx="5830920" cy="6116040"/>
           </a:xfrm>
           <a:prstGeom prst="rect">
             <a:avLst/>
@@ -16683,7 +16684,7 @@
         <p:spPr>
           <a:xfrm>
             <a:off x="7848000" y="1368000"/>
-            <a:ext cx="4245480" cy="4660200"/>
+            <a:ext cx="4245120" cy="4659840"/>
           </a:xfrm>
           <a:prstGeom prst="rect">
             <a:avLst/>
@@ -17081,7 +17082,7 @@
         <p:spPr>
           <a:xfrm>
             <a:off x="1561680" y="0"/>
-            <a:ext cx="9068040" cy="1258920"/>
+            <a:ext cx="9067680" cy="1258560"/>
           </a:xfrm>
           <a:prstGeom prst="rect">
             <a:avLst/>
@@ -17130,7 +17131,7 @@
         <p:spPr>
           <a:xfrm>
             <a:off x="1152000" y="1514880"/>
-            <a:ext cx="5471280" cy="6116400"/>
+            <a:ext cx="5470920" cy="6116040"/>
           </a:xfrm>
           <a:prstGeom prst="rect">
             <a:avLst/>
@@ -17339,7 +17340,7 @@
         <p:spPr>
           <a:xfrm>
             <a:off x="7560000" y="1387080"/>
-            <a:ext cx="4245480" cy="4660200"/>
+            <a:ext cx="4245120" cy="4659840"/>
           </a:xfrm>
           <a:prstGeom prst="rect">
             <a:avLst/>
@@ -17827,7 +17828,7 @@
         <p:spPr>
           <a:xfrm>
             <a:off x="1561680" y="0"/>
-            <a:ext cx="9068040" cy="1258920"/>
+            <a:ext cx="9067680" cy="1258560"/>
           </a:xfrm>
           <a:prstGeom prst="rect">
             <a:avLst/>
@@ -17876,7 +17877,7 @@
         <p:spPr>
           <a:xfrm>
             <a:off x="1545480" y="1080000"/>
-            <a:ext cx="5365800" cy="6116400"/>
+            <a:ext cx="5365440" cy="6116040"/>
           </a:xfrm>
           <a:prstGeom prst="rect">
             <a:avLst/>
@@ -18125,7 +18126,7 @@
         <p:spPr>
           <a:xfrm>
             <a:off x="7704000" y="1008000"/>
-            <a:ext cx="4245480" cy="4660200"/>
+            <a:ext cx="4245120" cy="4659840"/>
           </a:xfrm>
           <a:prstGeom prst="rect">
             <a:avLst/>
@@ -18883,7 +18884,7 @@
         <p:spPr>
           <a:xfrm>
             <a:off x="1561680" y="0"/>
-            <a:ext cx="9068040" cy="1258920"/>
+            <a:ext cx="9067680" cy="1258560"/>
           </a:xfrm>
           <a:prstGeom prst="rect">
             <a:avLst/>
@@ -18932,7 +18933,7 @@
         <p:spPr>
           <a:xfrm>
             <a:off x="1368000" y="1010880"/>
-            <a:ext cx="5543280" cy="6116400"/>
+            <a:ext cx="5542920" cy="6116040"/>
           </a:xfrm>
           <a:prstGeom prst="rect">
             <a:avLst/>
@@ -19161,7 +19162,7 @@
         <p:spPr>
           <a:xfrm>
             <a:off x="7848000" y="1148400"/>
-            <a:ext cx="3560400" cy="5708880"/>
+            <a:ext cx="3560040" cy="5708520"/>
           </a:xfrm>
           <a:prstGeom prst="rect">
             <a:avLst/>
@@ -19689,7 +19690,7 @@
         <p:spPr>
           <a:xfrm>
             <a:off x="1561680" y="0"/>
-            <a:ext cx="9068040" cy="1258920"/>
+            <a:ext cx="9067680" cy="1258560"/>
           </a:xfrm>
           <a:prstGeom prst="rect">
             <a:avLst/>
@@ -19738,7 +19739,7 @@
         <p:spPr>
           <a:xfrm>
             <a:off x="4337640" y="1440000"/>
-            <a:ext cx="3515760" cy="4965840"/>
+            <a:ext cx="3515400" cy="4965480"/>
           </a:xfrm>
           <a:prstGeom prst="rect">
             <a:avLst/>
@@ -20096,7 +20097,7 @@
         <p:spPr>
           <a:xfrm>
             <a:off x="1561680" y="0"/>
-            <a:ext cx="9068040" cy="1258920"/>
+            <a:ext cx="9067680" cy="1258560"/>
           </a:xfrm>
           <a:prstGeom prst="rect">
             <a:avLst/>
@@ -20145,7 +20146,7 @@
         <p:spPr>
           <a:xfrm>
             <a:off x="861840" y="1728360"/>
-            <a:ext cx="5400360" cy="4965840"/>
+            <a:ext cx="5400000" cy="4965480"/>
           </a:xfrm>
           <a:prstGeom prst="rect">
             <a:avLst/>
@@ -20194,7 +20195,7 @@
         <p:spPr>
           <a:xfrm>
             <a:off x="1703520" y="1728360"/>
-            <a:ext cx="8784360" cy="4965840"/>
+            <a:ext cx="8784000" cy="4965480"/>
           </a:xfrm>
           <a:prstGeom prst="rect">
             <a:avLst/>
@@ -20462,7 +20463,7 @@
         <p:spPr>
           <a:xfrm>
             <a:off x="1561680" y="0"/>
-            <a:ext cx="9068040" cy="1258920"/>
+            <a:ext cx="9067680" cy="1258560"/>
           </a:xfrm>
           <a:prstGeom prst="rect">
             <a:avLst/>
@@ -20511,7 +20512,7 @@
         <p:spPr>
           <a:xfrm>
             <a:off x="861480" y="1728360"/>
-            <a:ext cx="5400360" cy="4965840"/>
+            <a:ext cx="5400000" cy="4965480"/>
           </a:xfrm>
           <a:prstGeom prst="rect">
             <a:avLst/>
@@ -20559,8 +20560,8 @@
         </p:nvSpPr>
         <p:spPr>
           <a:xfrm rot="21553200">
-            <a:off x="2466000" y="2638080"/>
-            <a:ext cx="1584360" cy="2674440"/>
+            <a:off x="2466000" y="2637720"/>
+            <a:ext cx="1584000" cy="2674080"/>
           </a:xfrm>
           <a:prstGeom prst="rect">
             <a:avLst/>
@@ -20662,8 +20663,8 @@
         </p:nvSpPr>
         <p:spPr>
           <a:xfrm rot="21553200">
-            <a:off x="5418000" y="2638080"/>
-            <a:ext cx="1584360" cy="2674440"/>
+            <a:off x="5418000" y="2637720"/>
+            <a:ext cx="1584000" cy="2674080"/>
           </a:xfrm>
           <a:prstGeom prst="rect">
             <a:avLst/>
@@ -20834,7 +20835,7 @@
         <p:spPr>
           <a:xfrm>
             <a:off x="8354160" y="1728000"/>
-            <a:ext cx="1726200" cy="1222200"/>
+            <a:ext cx="1725840" cy="1221840"/>
           </a:xfrm>
           <a:prstGeom prst="rect">
             <a:avLst/>
@@ -20937,7 +20938,7 @@
         <p:spPr>
           <a:xfrm>
             <a:off x="8282160" y="4895640"/>
-            <a:ext cx="1726200" cy="1222200"/>
+            <a:ext cx="1725840" cy="1221840"/>
           </a:xfrm>
           <a:prstGeom prst="rect">
             <a:avLst/>
@@ -21040,7 +21041,7 @@
         <p:spPr>
           <a:xfrm>
             <a:off x="4320000" y="3383640"/>
-            <a:ext cx="1078200" cy="344520"/>
+            <a:ext cx="1077840" cy="344160"/>
           </a:xfrm>
           <a:prstGeom prst="rect">
             <a:avLst/>
@@ -21145,7 +21146,7 @@
         <p:spPr>
           <a:xfrm>
             <a:off x="7058160" y="3685320"/>
-            <a:ext cx="1078200" cy="600480"/>
+            <a:ext cx="1077840" cy="600120"/>
           </a:xfrm>
           <a:prstGeom prst="rect">
             <a:avLst/>
@@ -21253,7 +21254,7 @@
         <p:spPr>
           <a:xfrm>
             <a:off x="1561680" y="720"/>
-            <a:ext cx="9068040" cy="1258920"/>
+            <a:ext cx="9067680" cy="1258560"/>
           </a:xfrm>
           <a:prstGeom prst="rect">
             <a:avLst/>
@@ -22741,7 +22742,7 @@
                           <a:latin typeface="Arial"/>
                           <a:ea typeface="DejaVu Sans"/>
                         </a:rPr>
-                        <a:t>2^63+1</a:t>
+                        <a:t>2^63-1</a:t>
                       </a:r>
                       <a:endParaRPr b="0" lang="pl-PL" sz="1800" spc="-1" strike="noStrike">
                         <a:latin typeface="Arial"/>
@@ -23491,7 +23492,7 @@
         <p:spPr>
           <a:xfrm>
             <a:off x="1561680" y="0"/>
-            <a:ext cx="9068040" cy="1258920"/>
+            <a:ext cx="9067680" cy="1258560"/>
           </a:xfrm>
           <a:prstGeom prst="rect">
             <a:avLst/>
@@ -23540,7 +23541,7 @@
         <p:spPr>
           <a:xfrm>
             <a:off x="1998720" y="863640"/>
-            <a:ext cx="8420400" cy="4657680"/>
+            <a:ext cx="8420040" cy="4657320"/>
           </a:xfrm>
           <a:prstGeom prst="rect">
             <a:avLst/>
@@ -23866,7 +23867,7 @@
         <p:spPr>
           <a:xfrm>
             <a:off x="1561680" y="0"/>
-            <a:ext cx="9068040" cy="1258920"/>
+            <a:ext cx="9067680" cy="1258560"/>
           </a:xfrm>
           <a:prstGeom prst="rect">
             <a:avLst/>
@@ -23915,7 +23916,7 @@
         <p:spPr>
           <a:xfrm>
             <a:off x="1633320" y="1087560"/>
-            <a:ext cx="8924400" cy="6359760"/>
+            <a:ext cx="8924040" cy="6359400"/>
           </a:xfrm>
           <a:prstGeom prst="rect">
             <a:avLst/>
@@ -24293,7 +24294,7 @@
         <p:spPr>
           <a:xfrm>
             <a:off x="1561680" y="360"/>
-            <a:ext cx="9068040" cy="1258920"/>
+            <a:ext cx="9067680" cy="1258560"/>
           </a:xfrm>
           <a:prstGeom prst="rect">
             <a:avLst/>
